--- a/Designing/Demonstrations and presentations for client/2024-04-12 Website demonstration.pptx
+++ b/Designing/Demonstrations and presentations for client/2024-04-12 Website demonstration.pptx
@@ -324,12 +324,12 @@
   <pc:docChgLst>
     <pc:chgData name="Sithija Wijesinghe" userId="34c3d59ba1d728d0" providerId="LiveId" clId="{914F1522-4FAE-4E8E-96E8-27617867096C}"/>
     <pc:docChg chg="undo custSel addSld delSld modSld">
-      <pc:chgData name="Sithija Wijesinghe" userId="34c3d59ba1d728d0" providerId="LiveId" clId="{914F1522-4FAE-4E8E-96E8-27617867096C}" dt="2024-04-12T00:34:42.180" v="1078" actId="20577"/>
+      <pc:chgData name="Sithija Wijesinghe" userId="34c3d59ba1d728d0" providerId="LiveId" clId="{914F1522-4FAE-4E8E-96E8-27617867096C}" dt="2024-04-12T16:56:55.275" v="1176" actId="20577"/>
       <pc:docMkLst>
         <pc:docMk/>
       </pc:docMkLst>
       <pc:sldChg chg="addSp delSp modSp mod">
-        <pc:chgData name="Sithija Wijesinghe" userId="34c3d59ba1d728d0" providerId="LiveId" clId="{914F1522-4FAE-4E8E-96E8-27617867096C}" dt="2024-04-12T00:29:52.129" v="1005" actId="20577"/>
+        <pc:chgData name="Sithija Wijesinghe" userId="34c3d59ba1d728d0" providerId="LiveId" clId="{914F1522-4FAE-4E8E-96E8-27617867096C}" dt="2024-04-12T16:53:07.349" v="1096"/>
         <pc:sldMkLst>
           <pc:docMk/>
           <pc:sldMk cId="0" sldId="257"/>
@@ -359,7 +359,7 @@
           </ac:spMkLst>
         </pc:spChg>
         <pc:spChg chg="mod">
-          <ac:chgData name="Sithija Wijesinghe" userId="34c3d59ba1d728d0" providerId="LiveId" clId="{914F1522-4FAE-4E8E-96E8-27617867096C}" dt="2024-04-11T23:57:08.951" v="761" actId="20577"/>
+          <ac:chgData name="Sithija Wijesinghe" userId="34c3d59ba1d728d0" providerId="LiveId" clId="{914F1522-4FAE-4E8E-96E8-27617867096C}" dt="2024-04-12T16:53:07.349" v="1096"/>
           <ac:spMkLst>
             <pc:docMk/>
             <pc:sldMk cId="0" sldId="257"/>
@@ -390,7 +390,7 @@
         </pc:sldMkLst>
       </pc:sldChg>
       <pc:sldChg chg="delSp modSp mod">
-        <pc:chgData name="Sithija Wijesinghe" userId="34c3d59ba1d728d0" providerId="LiveId" clId="{914F1522-4FAE-4E8E-96E8-27617867096C}" dt="2024-04-12T00:34:42.180" v="1078" actId="20577"/>
+        <pc:chgData name="Sithija Wijesinghe" userId="34c3d59ba1d728d0" providerId="LiveId" clId="{914F1522-4FAE-4E8E-96E8-27617867096C}" dt="2024-04-12T16:54:46.702" v="1143" actId="20577"/>
         <pc:sldMkLst>
           <pc:docMk/>
           <pc:sldMk cId="0" sldId="260"/>
@@ -404,7 +404,7 @@
           </ac:spMkLst>
         </pc:spChg>
         <pc:spChg chg="mod">
-          <ac:chgData name="Sithija Wijesinghe" userId="34c3d59ba1d728d0" providerId="LiveId" clId="{914F1522-4FAE-4E8E-96E8-27617867096C}" dt="2024-04-12T00:34:42.180" v="1078" actId="20577"/>
+          <ac:chgData name="Sithija Wijesinghe" userId="34c3d59ba1d728d0" providerId="LiveId" clId="{914F1522-4FAE-4E8E-96E8-27617867096C}" dt="2024-04-12T16:54:46.702" v="1143" actId="20577"/>
           <ac:spMkLst>
             <pc:docMk/>
             <pc:sldMk cId="0" sldId="260"/>
@@ -452,7 +452,7 @@
         </pc:spChg>
       </pc:sldChg>
       <pc:sldChg chg="modSp add mod">
-        <pc:chgData name="Sithija Wijesinghe" userId="34c3d59ba1d728d0" providerId="LiveId" clId="{914F1522-4FAE-4E8E-96E8-27617867096C}" dt="2024-04-12T00:24:59.474" v="901" actId="27636"/>
+        <pc:chgData name="Sithija Wijesinghe" userId="34c3d59ba1d728d0" providerId="LiveId" clId="{914F1522-4FAE-4E8E-96E8-27617867096C}" dt="2024-04-12T16:53:00.653" v="1094"/>
         <pc:sldMkLst>
           <pc:docMk/>
           <pc:sldMk cId="520947837" sldId="263"/>
@@ -474,7 +474,7 @@
           </ac:spMkLst>
         </pc:spChg>
         <pc:spChg chg="mod">
-          <ac:chgData name="Sithija Wijesinghe" userId="34c3d59ba1d728d0" providerId="LiveId" clId="{914F1522-4FAE-4E8E-96E8-27617867096C}" dt="2024-04-12T00:24:40.755" v="899" actId="114"/>
+          <ac:chgData name="Sithija Wijesinghe" userId="34c3d59ba1d728d0" providerId="LiveId" clId="{914F1522-4FAE-4E8E-96E8-27617867096C}" dt="2024-04-12T16:53:00.653" v="1094"/>
           <ac:spMkLst>
             <pc:docMk/>
             <pc:sldMk cId="520947837" sldId="263"/>
@@ -483,13 +483,13 @@
         </pc:spChg>
       </pc:sldChg>
       <pc:sldChg chg="delSp modSp add mod">
-        <pc:chgData name="Sithija Wijesinghe" userId="34c3d59ba1d728d0" providerId="LiveId" clId="{914F1522-4FAE-4E8E-96E8-27617867096C}" dt="2024-04-12T00:30:25.028" v="1071" actId="20577"/>
+        <pc:chgData name="Sithija Wijesinghe" userId="34c3d59ba1d728d0" providerId="LiveId" clId="{914F1522-4FAE-4E8E-96E8-27617867096C}" dt="2024-04-12T16:56:55.275" v="1176" actId="20577"/>
         <pc:sldMkLst>
           <pc:docMk/>
           <pc:sldMk cId="2311918446" sldId="264"/>
         </pc:sldMkLst>
         <pc:spChg chg="mod">
-          <ac:chgData name="Sithija Wijesinghe" userId="34c3d59ba1d728d0" providerId="LiveId" clId="{914F1522-4FAE-4E8E-96E8-27617867096C}" dt="2024-04-12T00:30:25.028" v="1071" actId="20577"/>
+          <ac:chgData name="Sithija Wijesinghe" userId="34c3d59ba1d728d0" providerId="LiveId" clId="{914F1522-4FAE-4E8E-96E8-27617867096C}" dt="2024-04-12T16:56:55.275" v="1176" actId="20577"/>
           <ac:spMkLst>
             <pc:docMk/>
             <pc:sldMk cId="2311918446" sldId="264"/>
@@ -7530,14 +7530,14 @@
             <a:pPr lvl="1"/>
             <a:r>
               <a:rPr lang="en-US" dirty="0"/>
-              <a:t>Geographical</a:t>
+              <a:t>Trends</a:t>
             </a:r>
           </a:p>
           <a:p>
             <a:pPr lvl="1"/>
             <a:r>
               <a:rPr lang="en-US" dirty="0"/>
-              <a:t>Trends</a:t>
+              <a:t>Geographical</a:t>
             </a:r>
           </a:p>
           <a:p>
@@ -7789,14 +7789,14 @@
             <a:pPr lvl="1"/>
             <a:r>
               <a:rPr lang="en-US" dirty="0"/>
-              <a:t>Geographical map</a:t>
+              <a:t>Trends graph</a:t>
             </a:r>
           </a:p>
           <a:p>
             <a:pPr lvl="1"/>
             <a:r>
               <a:rPr lang="en-US" dirty="0"/>
-              <a:t>Trends graph</a:t>
+              <a:t>Interactive geographical map</a:t>
             </a:r>
           </a:p>
           <a:p>
@@ -8047,10 +8047,30 @@
             </a:r>
           </a:p>
           <a:p>
+            <a:endParaRPr lang="en-US" dirty="0"/>
+          </a:p>
+          <a:p>
             <a:r>
               <a:rPr lang="en-US" dirty="0"/>
+              <a:t>Research papers</a:t>
+            </a:r>
+          </a:p>
+          <a:p>
+            <a:pPr lvl="1"/>
+            <a:r>
+              <a:rPr lang="en-US" dirty="0"/>
+              <a:t>Web scraping</a:t>
+            </a:r>
+          </a:p>
+          <a:p>
+            <a:endParaRPr lang="en-US"/>
+          </a:p>
+          <a:p>
+            <a:r>
+              <a:rPr lang="en-US"/>
               <a:t>Profile</a:t>
             </a:r>
+            <a:endParaRPr lang="en-US" dirty="0"/>
           </a:p>
           <a:p>
             <a:pPr lvl="1"/>
@@ -8281,7 +8301,42 @@
             </a:r>
           </a:p>
           <a:p>
+            <a:pPr marL="457200" lvl="0" indent="-342900" algn="l" rtl="0">
+              <a:spcBef>
+                <a:spcPts val="0"/>
+              </a:spcBef>
+              <a:spcAft>
+                <a:spcPts val="0"/>
+              </a:spcAft>
+              <a:buSzPts val="1800"/>
+              <a:buChar char="●"/>
+            </a:pPr>
             <a:endParaRPr lang="en-US" dirty="0"/>
+          </a:p>
+          <a:p>
+            <a:pPr marL="457200" lvl="0" indent="-342900" algn="l" rtl="0">
+              <a:spcBef>
+                <a:spcPts val="0"/>
+              </a:spcBef>
+              <a:spcAft>
+                <a:spcPts val="0"/>
+              </a:spcAft>
+              <a:buSzPts val="1800"/>
+              <a:buChar char="●"/>
+            </a:pPr>
+            <a:r>
+              <a:rPr lang="en-US" dirty="0"/>
+              <a:t>Search engine optimization (SEO)</a:t>
+            </a:r>
+          </a:p>
+          <a:p>
+            <a:endParaRPr lang="en-US" dirty="0"/>
+          </a:p>
+          <a:p>
+            <a:r>
+              <a:rPr lang="en-US" dirty="0"/>
+              <a:t>Animations</a:t>
+            </a:r>
           </a:p>
         </p:txBody>
       </p:sp>

--- a/Designing/Demonstrations and presentations for client/2024-04-12 Website demonstration.pptx
+++ b/Designing/Demonstrations and presentations for client/2024-04-12 Website demonstration.pptx
@@ -5,38 +5,39 @@
     <p:sldMasterId id="2147483659" r:id="rId1"/>
   </p:sldMasterIdLst>
   <p:notesMasterIdLst>
-    <p:notesMasterId r:id="rId9"/>
+    <p:notesMasterId r:id="rId10"/>
   </p:notesMasterIdLst>
   <p:sldIdLst>
     <p:sldId id="256" r:id="rId2"/>
-    <p:sldId id="257" r:id="rId3"/>
-    <p:sldId id="263" r:id="rId4"/>
-    <p:sldId id="264" r:id="rId5"/>
-    <p:sldId id="262" r:id="rId6"/>
-    <p:sldId id="260" r:id="rId7"/>
-    <p:sldId id="261" r:id="rId8"/>
+    <p:sldId id="265" r:id="rId3"/>
+    <p:sldId id="257" r:id="rId4"/>
+    <p:sldId id="263" r:id="rId5"/>
+    <p:sldId id="264" r:id="rId6"/>
+    <p:sldId id="262" r:id="rId7"/>
+    <p:sldId id="260" r:id="rId8"/>
+    <p:sldId id="261" r:id="rId9"/>
   </p:sldIdLst>
   <p:sldSz cx="9144000" cy="5143500" type="screen16x9"/>
   <p:notesSz cx="6858000" cy="9144000"/>
   <p:embeddedFontLst>
     <p:embeddedFont>
       <p:font typeface="Montserrat" panose="00000500000000000000" pitchFamily="2" charset="0"/>
-      <p:regular r:id="rId10"/>
-      <p:bold r:id="rId11"/>
-      <p:italic r:id="rId12"/>
-      <p:boldItalic r:id="rId13"/>
+      <p:regular r:id="rId11"/>
+      <p:bold r:id="rId12"/>
+      <p:italic r:id="rId13"/>
+      <p:boldItalic r:id="rId14"/>
     </p:embeddedFont>
     <p:embeddedFont>
       <p:font typeface="Oswald" panose="00000500000000000000" pitchFamily="2" charset="0"/>
-      <p:regular r:id="rId14"/>
-      <p:bold r:id="rId15"/>
+      <p:regular r:id="rId15"/>
+      <p:bold r:id="rId16"/>
     </p:embeddedFont>
     <p:embeddedFont>
-      <p:font typeface="Playfair Display" panose="020F0502020204030204" pitchFamily="2" charset="0"/>
-      <p:regular r:id="rId16"/>
-      <p:bold r:id="rId17"/>
-      <p:italic r:id="rId18"/>
-      <p:boldItalic r:id="rId19"/>
+      <p:font typeface="Playfair Display" panose="00000500000000000000" pitchFamily="2" charset="0"/>
+      <p:regular r:id="rId17"/>
+      <p:bold r:id="rId18"/>
+      <p:italic r:id="rId19"/>
+      <p:boldItalic r:id="rId20"/>
     </p:embeddedFont>
   </p:embeddedFontLst>
   <p:defaultTextStyle>
@@ -323,8 +324,8 @@
   </pc:docChgLst>
   <pc:docChgLst>
     <pc:chgData name="Sithija Wijesinghe" userId="34c3d59ba1d728d0" providerId="LiveId" clId="{914F1522-4FAE-4E8E-96E8-27617867096C}"/>
-    <pc:docChg chg="undo custSel addSld delSld modSld">
-      <pc:chgData name="Sithija Wijesinghe" userId="34c3d59ba1d728d0" providerId="LiveId" clId="{914F1522-4FAE-4E8E-96E8-27617867096C}" dt="2024-04-12T16:56:55.275" v="1176" actId="20577"/>
+    <pc:docChg chg="undo custSel addSld delSld modSld sldOrd">
+      <pc:chgData name="Sithija Wijesinghe" userId="34c3d59ba1d728d0" providerId="LiveId" clId="{914F1522-4FAE-4E8E-96E8-27617867096C}" dt="2024-04-12T17:49:17.867" v="1531" actId="20577"/>
       <pc:docMkLst>
         <pc:docMk/>
       </pc:docMkLst>
@@ -510,6 +511,29 @@
             <pc:docMk/>
             <pc:sldMk cId="2311918446" sldId="264"/>
             <ac:spMk id="66" creationId="{00000000-0000-0000-0000-000000000000}"/>
+          </ac:spMkLst>
+        </pc:spChg>
+      </pc:sldChg>
+      <pc:sldChg chg="modSp new mod ord">
+        <pc:chgData name="Sithija Wijesinghe" userId="34c3d59ba1d728d0" providerId="LiveId" clId="{914F1522-4FAE-4E8E-96E8-27617867096C}" dt="2024-04-12T17:49:17.867" v="1531" actId="20577"/>
+        <pc:sldMkLst>
+          <pc:docMk/>
+          <pc:sldMk cId="825667016" sldId="265"/>
+        </pc:sldMkLst>
+        <pc:spChg chg="mod">
+          <ac:chgData name="Sithija Wijesinghe" userId="34c3d59ba1d728d0" providerId="LiveId" clId="{914F1522-4FAE-4E8E-96E8-27617867096C}" dt="2024-04-12T17:45:44.561" v="1193" actId="20577"/>
+          <ac:spMkLst>
+            <pc:docMk/>
+            <pc:sldMk cId="825667016" sldId="265"/>
+            <ac:spMk id="2" creationId="{5928D053-5053-6FB8-5B0A-CF5E5F996E6F}"/>
+          </ac:spMkLst>
+        </pc:spChg>
+        <pc:spChg chg="mod">
+          <ac:chgData name="Sithija Wijesinghe" userId="34c3d59ba1d728d0" providerId="LiveId" clId="{914F1522-4FAE-4E8E-96E8-27617867096C}" dt="2024-04-12T17:49:17.867" v="1531" actId="20577"/>
+          <ac:spMkLst>
+            <pc:docMk/>
+            <pc:sldMk cId="825667016" sldId="265"/>
+            <ac:spMk id="3" creationId="{9D738D8B-1EC3-7D67-62DE-370290257DE0}"/>
           </ac:spMkLst>
         </pc:spChg>
       </pc:sldChg>
@@ -7422,7 +7446,7 @@
   <p:cSld>
     <p:spTree>
       <p:nvGrpSpPr>
-        <p:cNvPr id="1" name="Shape 63"/>
+        <p:cNvPr id="1" name=""/>
         <p:cNvGrpSpPr/>
         <p:nvPr/>
       </p:nvGrpSpPr>
@@ -7436,121 +7460,30 @@
       </p:grpSpPr>
       <p:sp>
         <p:nvSpPr>
-          <p:cNvPr id="64" name="Google Shape;64;p14"/>
-          <p:cNvSpPr txBox="1">
+          <p:cNvPr id="2" name="Title 1">
+            <a:extLst>
+              <a:ext uri="{FF2B5EF4-FFF2-40B4-BE49-F238E27FC236}">
+                <a16:creationId xmlns:a16="http://schemas.microsoft.com/office/drawing/2014/main" id="{5928D053-5053-6FB8-5B0A-CF5E5F996E6F}"/>
+              </a:ext>
+            </a:extLst>
+          </p:cNvPr>
+          <p:cNvSpPr>
             <a:spLocks noGrp="1"/>
           </p:cNvSpPr>
           <p:nvPr>
             <p:ph type="title"/>
           </p:nvPr>
         </p:nvSpPr>
-        <p:spPr>
-          <a:xfrm>
-            <a:off x="311700" y="445025"/>
-            <a:ext cx="8520600" cy="572700"/>
-          </a:xfrm>
-          <a:prstGeom prst="rect">
-            <a:avLst/>
-          </a:prstGeom>
-        </p:spPr>
+        <p:spPr/>
         <p:txBody>
-          <a:bodyPr spcFirstLastPara="1" wrap="square" lIns="91425" tIns="91425" rIns="91425" bIns="91425" anchor="t" anchorCtr="0">
+          <a:bodyPr>
             <a:normAutofit fontScale="90000"/>
           </a:bodyPr>
           <a:lstStyle/>
           <a:p>
-            <a:pPr marL="0" lvl="0" indent="0" algn="l" rtl="0">
-              <a:spcBef>
-                <a:spcPts val="0"/>
-              </a:spcBef>
-              <a:spcAft>
-                <a:spcPts val="0"/>
-              </a:spcAft>
-              <a:buNone/>
-            </a:pPr>
-            <a:r>
-              <a:rPr lang="en" dirty="0"/>
-              <a:t>Features initally proposed </a:t>
-            </a:r>
-            <a:endParaRPr dirty="0"/>
-          </a:p>
-        </p:txBody>
-      </p:sp>
-      <p:sp>
-        <p:nvSpPr>
-          <p:cNvPr id="66" name="Google Shape;66;p14"/>
-          <p:cNvSpPr txBox="1">
-            <a:spLocks noGrp="1"/>
-          </p:cNvSpPr>
-          <p:nvPr>
-            <p:ph type="body" idx="1"/>
-          </p:nvPr>
-        </p:nvSpPr>
-        <p:spPr>
-          <a:xfrm>
-            <a:off x="4572000" y="1234075"/>
-            <a:ext cx="4260300" cy="3334800"/>
-          </a:xfrm>
-          <a:prstGeom prst="rect">
-            <a:avLst/>
-          </a:prstGeom>
-        </p:spPr>
-        <p:txBody>
-          <a:bodyPr spcFirstLastPara="1" wrap="square" lIns="91425" tIns="91425" rIns="91425" bIns="91425" anchor="t" anchorCtr="0">
-            <a:normAutofit/>
-          </a:bodyPr>
-          <a:lstStyle/>
-          <a:p>
             <a:r>
               <a:rPr lang="en-US" dirty="0"/>
-              <a:t>Research papers</a:t>
-            </a:r>
-          </a:p>
-          <a:p>
-            <a:pPr lvl="1"/>
-            <a:r>
-              <a:rPr lang="en-US" dirty="0"/>
-              <a:t>Search and filters</a:t>
-            </a:r>
-          </a:p>
-          <a:p>
-            <a:pPr lvl="1"/>
-            <a:r>
-              <a:rPr lang="en-US" dirty="0"/>
-              <a:t>Linking</a:t>
-            </a:r>
-          </a:p>
-          <a:p>
-            <a:r>
-              <a:rPr lang="en-US" dirty="0"/>
-              <a:t>Visualizations</a:t>
-            </a:r>
-          </a:p>
-          <a:p>
-            <a:pPr lvl="1"/>
-            <a:r>
-              <a:rPr lang="en-US" dirty="0"/>
-              <a:t>Trends</a:t>
-            </a:r>
-          </a:p>
-          <a:p>
-            <a:pPr lvl="1"/>
-            <a:r>
-              <a:rPr lang="en-US" dirty="0"/>
-              <a:t>Geographical</a:t>
-            </a:r>
-          </a:p>
-          <a:p>
-            <a:pPr lvl="1"/>
-            <a:r>
-              <a:rPr lang="en-US" dirty="0"/>
-              <a:t>Interests</a:t>
-            </a:r>
-          </a:p>
-          <a:p>
-            <a:r>
-              <a:rPr lang="en-US" dirty="0"/>
-              <a:t>Bilingual</a:t>
+              <a:t>The objective</a:t>
             </a:r>
           </a:p>
         </p:txBody>
@@ -7560,7 +7493,7 @@
           <p:cNvPr id="3" name="Text Placeholder 2">
             <a:extLst>
               <a:ext uri="{FF2B5EF4-FFF2-40B4-BE49-F238E27FC236}">
-                <a16:creationId xmlns:a16="http://schemas.microsoft.com/office/drawing/2014/main" id="{3CEC3AEE-B259-CA43-372C-F5B77FE14073}"/>
+                <a16:creationId xmlns:a16="http://schemas.microsoft.com/office/drawing/2014/main" id="{9D738D8B-1EC3-7D67-62DE-370290257DE0}"/>
               </a:ext>
             </a:extLst>
           </p:cNvPr>
@@ -7571,97 +7504,56 @@
             <p:ph type="body" idx="1"/>
           </p:nvPr>
         </p:nvSpPr>
-        <p:spPr>
-          <a:xfrm>
-            <a:off x="311700" y="1234075"/>
-            <a:ext cx="4260300" cy="3334800"/>
-          </a:xfrm>
-        </p:spPr>
+        <p:spPr/>
         <p:txBody>
-          <a:bodyPr>
-            <a:normAutofit/>
-          </a:bodyPr>
+          <a:bodyPr/>
           <a:lstStyle/>
           <a:p>
             <a:r>
               <a:rPr lang="en-US" dirty="0"/>
-              <a:t>Homepage</a:t>
+              <a:t>Create a webpage for the Humanities and Engineering special interest group.</a:t>
             </a:r>
           </a:p>
           <a:p>
-            <a:pPr lvl="1"/>
+            <a:endParaRPr lang="en-US" dirty="0"/>
+          </a:p>
+          <a:p>
             <a:r>
               <a:rPr lang="en-US" dirty="0"/>
-              <a:t>Highlights</a:t>
+              <a:t>The members should be able to self manage their profile.</a:t>
             </a:r>
           </a:p>
           <a:p>
-            <a:pPr lvl="1"/>
+            <a:endParaRPr lang="en-US" dirty="0"/>
+          </a:p>
+          <a:p>
             <a:r>
               <a:rPr lang="en-US" dirty="0"/>
-              <a:t>Visualizations</a:t>
+              <a:t>Researchers should be able to collaborate with each other.</a:t>
             </a:r>
           </a:p>
           <a:p>
-            <a:pPr lvl="1"/>
+            <a:endParaRPr lang="en-US" dirty="0"/>
+          </a:p>
+          <a:p>
             <a:r>
               <a:rPr lang="en-US" dirty="0"/>
-              <a:t>Contact form</a:t>
+              <a:t>The website should be easy </a:t>
             </a:r>
-          </a:p>
-          <a:p>
             <a:r>
-              <a:rPr lang="en-US" dirty="0"/>
-              <a:t>Profile</a:t>
+              <a:rPr lang="en-US"/>
+              <a:t>to access and use.</a:t>
             </a:r>
-          </a:p>
-          <a:p>
-            <a:pPr lvl="1"/>
-            <a:r>
-              <a:rPr lang="en-US" dirty="0"/>
-              <a:t>Create and update</a:t>
-            </a:r>
-          </a:p>
-          <a:p>
-            <a:pPr lvl="1"/>
-            <a:r>
-              <a:rPr lang="en-US" dirty="0"/>
-              <a:t>Login and logout</a:t>
-            </a:r>
-          </a:p>
-          <a:p>
-            <a:pPr lvl="1"/>
-            <a:r>
-              <a:rPr lang="en-US" dirty="0"/>
-              <a:t>Delete</a:t>
-            </a:r>
-          </a:p>
-          <a:p>
-            <a:r>
-              <a:rPr lang="en-US" dirty="0"/>
-              <a:t>Networking</a:t>
-            </a:r>
-          </a:p>
-          <a:p>
-            <a:pPr lvl="1"/>
-            <a:r>
-              <a:rPr lang="en-US" dirty="0"/>
-              <a:t>Search and filters</a:t>
-            </a:r>
-          </a:p>
-          <a:p>
-            <a:pPr lvl="1"/>
-            <a:r>
-              <a:rPr lang="en-US" dirty="0"/>
-              <a:t>Chat</a:t>
-            </a:r>
-          </a:p>
-          <a:p>
             <a:endParaRPr lang="en-US" dirty="0"/>
           </a:p>
         </p:txBody>
       </p:sp>
     </p:spTree>
+    <p:extLst>
+      <p:ext uri="{BB962C8B-B14F-4D97-AF65-F5344CB8AC3E}">
+        <p14:creationId xmlns:p14="http://schemas.microsoft.com/office/powerpoint/2010/main" val="825667016"/>
+      </p:ext>
+    </p:extLst>
   </p:cSld>
   <p:clrMapOvr>
     <a:masterClrMapping/>
@@ -7722,7 +7614,7 @@
             </a:pPr>
             <a:r>
               <a:rPr lang="en" dirty="0"/>
-              <a:t>Features implemented</a:t>
+              <a:t>Features initally proposed </a:t>
             </a:r>
             <a:endParaRPr dirty="0"/>
           </a:p>
@@ -7769,14 +7661,7 @@
             <a:pPr lvl="1"/>
             <a:r>
               <a:rPr lang="en-US" dirty="0"/>
-              <a:t>Linking </a:t>
-            </a:r>
-          </a:p>
-          <a:p>
-            <a:pPr lvl="1"/>
-            <a:r>
-              <a:rPr lang="en-US" i="1" dirty="0"/>
-              <a:t>Web scraping</a:t>
+              <a:t>Linking</a:t>
             </a:r>
           </a:p>
           <a:p>
@@ -7789,21 +7674,21 @@
             <a:pPr lvl="1"/>
             <a:r>
               <a:rPr lang="en-US" dirty="0"/>
-              <a:t>Trends graph</a:t>
+              <a:t>Trends</a:t>
             </a:r>
           </a:p>
           <a:p>
             <a:pPr lvl="1"/>
             <a:r>
               <a:rPr lang="en-US" dirty="0"/>
-              <a:t>Interactive geographical map</a:t>
+              <a:t>Geographical</a:t>
             </a:r>
           </a:p>
           <a:p>
             <a:pPr lvl="1"/>
             <a:r>
               <a:rPr lang="en-US" dirty="0"/>
-              <a:t>Interactive interests word cloud</a:t>
+              <a:t>Interests</a:t>
             </a:r>
           </a:p>
           <a:p>
@@ -7833,7 +7718,7 @@
         <p:spPr>
           <a:xfrm>
             <a:off x="311700" y="1234075"/>
-            <a:ext cx="4260300" cy="3464400"/>
+            <a:ext cx="4260300" cy="3334800"/>
           </a:xfrm>
         </p:spPr>
         <p:txBody>
@@ -7911,15 +7796,8 @@
           <a:p>
             <a:pPr lvl="1"/>
             <a:r>
-              <a:rPr lang="en-US" i="1" dirty="0"/>
-              <a:t>Forums</a:t>
-            </a:r>
-          </a:p>
-          <a:p>
-            <a:pPr lvl="1"/>
-            <a:r>
-              <a:rPr lang="en-US" i="1" dirty="0"/>
-              <a:t>Group researchers by interests</a:t>
+              <a:rPr lang="en-US" dirty="0"/>
+              <a:t>Chat</a:t>
             </a:r>
           </a:p>
           <a:p>
@@ -7928,11 +7806,6 @@
         </p:txBody>
       </p:sp>
     </p:spTree>
-    <p:extLst>
-      <p:ext uri="{BB962C8B-B14F-4D97-AF65-F5344CB8AC3E}">
-        <p14:creationId xmlns:p14="http://schemas.microsoft.com/office/powerpoint/2010/main" val="520947837"/>
-      </p:ext>
-    </p:extLst>
   </p:cSld>
   <p:clrMapOvr>
     <a:masterClrMapping/>
@@ -7993,6 +7866,277 @@
             </a:pPr>
             <a:r>
               <a:rPr lang="en" dirty="0"/>
+              <a:t>Features implemented</a:t>
+            </a:r>
+            <a:endParaRPr dirty="0"/>
+          </a:p>
+        </p:txBody>
+      </p:sp>
+      <p:sp>
+        <p:nvSpPr>
+          <p:cNvPr id="66" name="Google Shape;66;p14"/>
+          <p:cNvSpPr txBox="1">
+            <a:spLocks noGrp="1"/>
+          </p:cNvSpPr>
+          <p:nvPr>
+            <p:ph type="body" idx="1"/>
+          </p:nvPr>
+        </p:nvSpPr>
+        <p:spPr>
+          <a:xfrm>
+            <a:off x="4572000" y="1234075"/>
+            <a:ext cx="4260300" cy="3334800"/>
+          </a:xfrm>
+          <a:prstGeom prst="rect">
+            <a:avLst/>
+          </a:prstGeom>
+        </p:spPr>
+        <p:txBody>
+          <a:bodyPr spcFirstLastPara="1" wrap="square" lIns="91425" tIns="91425" rIns="91425" bIns="91425" anchor="t" anchorCtr="0">
+            <a:normAutofit/>
+          </a:bodyPr>
+          <a:lstStyle/>
+          <a:p>
+            <a:r>
+              <a:rPr lang="en-US" dirty="0"/>
+              <a:t>Research papers</a:t>
+            </a:r>
+          </a:p>
+          <a:p>
+            <a:pPr lvl="1"/>
+            <a:r>
+              <a:rPr lang="en-US" dirty="0"/>
+              <a:t>Search and filters</a:t>
+            </a:r>
+          </a:p>
+          <a:p>
+            <a:pPr lvl="1"/>
+            <a:r>
+              <a:rPr lang="en-US" dirty="0"/>
+              <a:t>Linking </a:t>
+            </a:r>
+          </a:p>
+          <a:p>
+            <a:pPr lvl="1"/>
+            <a:r>
+              <a:rPr lang="en-US" i="1" dirty="0"/>
+              <a:t>Web scraping</a:t>
+            </a:r>
+          </a:p>
+          <a:p>
+            <a:r>
+              <a:rPr lang="en-US" dirty="0"/>
+              <a:t>Visualizations</a:t>
+            </a:r>
+          </a:p>
+          <a:p>
+            <a:pPr lvl="1"/>
+            <a:r>
+              <a:rPr lang="en-US" dirty="0"/>
+              <a:t>Trends graph</a:t>
+            </a:r>
+          </a:p>
+          <a:p>
+            <a:pPr lvl="1"/>
+            <a:r>
+              <a:rPr lang="en-US" dirty="0"/>
+              <a:t>Interactive geographical map</a:t>
+            </a:r>
+          </a:p>
+          <a:p>
+            <a:pPr lvl="1"/>
+            <a:r>
+              <a:rPr lang="en-US" dirty="0"/>
+              <a:t>Interactive interests word cloud</a:t>
+            </a:r>
+          </a:p>
+          <a:p>
+            <a:r>
+              <a:rPr lang="en-US" dirty="0"/>
+              <a:t>Bilingual</a:t>
+            </a:r>
+          </a:p>
+        </p:txBody>
+      </p:sp>
+      <p:sp>
+        <p:nvSpPr>
+          <p:cNvPr id="3" name="Text Placeholder 2">
+            <a:extLst>
+              <a:ext uri="{FF2B5EF4-FFF2-40B4-BE49-F238E27FC236}">
+                <a16:creationId xmlns:a16="http://schemas.microsoft.com/office/drawing/2014/main" id="{3CEC3AEE-B259-CA43-372C-F5B77FE14073}"/>
+              </a:ext>
+            </a:extLst>
+          </p:cNvPr>
+          <p:cNvSpPr>
+            <a:spLocks noGrp="1"/>
+          </p:cNvSpPr>
+          <p:nvPr>
+            <p:ph type="body" idx="1"/>
+          </p:nvPr>
+        </p:nvSpPr>
+        <p:spPr>
+          <a:xfrm>
+            <a:off x="311700" y="1234075"/>
+            <a:ext cx="4260300" cy="3464400"/>
+          </a:xfrm>
+        </p:spPr>
+        <p:txBody>
+          <a:bodyPr>
+            <a:normAutofit/>
+          </a:bodyPr>
+          <a:lstStyle/>
+          <a:p>
+            <a:r>
+              <a:rPr lang="en-US" dirty="0"/>
+              <a:t>Homepage</a:t>
+            </a:r>
+          </a:p>
+          <a:p>
+            <a:pPr lvl="1"/>
+            <a:r>
+              <a:rPr lang="en-US" dirty="0"/>
+              <a:t>Highlights</a:t>
+            </a:r>
+          </a:p>
+          <a:p>
+            <a:pPr lvl="1"/>
+            <a:r>
+              <a:rPr lang="en-US" dirty="0"/>
+              <a:t>Visualizations</a:t>
+            </a:r>
+          </a:p>
+          <a:p>
+            <a:pPr lvl="1"/>
+            <a:r>
+              <a:rPr lang="en-US" dirty="0"/>
+              <a:t>Contact form</a:t>
+            </a:r>
+          </a:p>
+          <a:p>
+            <a:r>
+              <a:rPr lang="en-US" dirty="0"/>
+              <a:t>Profile</a:t>
+            </a:r>
+          </a:p>
+          <a:p>
+            <a:pPr lvl="1"/>
+            <a:r>
+              <a:rPr lang="en-US" dirty="0"/>
+              <a:t>Create and update</a:t>
+            </a:r>
+          </a:p>
+          <a:p>
+            <a:pPr lvl="1"/>
+            <a:r>
+              <a:rPr lang="en-US" dirty="0"/>
+              <a:t>Login and logout</a:t>
+            </a:r>
+          </a:p>
+          <a:p>
+            <a:pPr lvl="1"/>
+            <a:r>
+              <a:rPr lang="en-US" dirty="0"/>
+              <a:t>Delete</a:t>
+            </a:r>
+          </a:p>
+          <a:p>
+            <a:r>
+              <a:rPr lang="en-US" dirty="0"/>
+              <a:t>Networking</a:t>
+            </a:r>
+          </a:p>
+          <a:p>
+            <a:pPr lvl="1"/>
+            <a:r>
+              <a:rPr lang="en-US" dirty="0"/>
+              <a:t>Search and filters</a:t>
+            </a:r>
+          </a:p>
+          <a:p>
+            <a:pPr lvl="1"/>
+            <a:r>
+              <a:rPr lang="en-US" i="1" dirty="0"/>
+              <a:t>Forums</a:t>
+            </a:r>
+          </a:p>
+          <a:p>
+            <a:pPr lvl="1"/>
+            <a:r>
+              <a:rPr lang="en-US" i="1" dirty="0"/>
+              <a:t>Group researchers by interests</a:t>
+            </a:r>
+          </a:p>
+          <a:p>
+            <a:endParaRPr lang="en-US" dirty="0"/>
+          </a:p>
+        </p:txBody>
+      </p:sp>
+    </p:spTree>
+    <p:extLst>
+      <p:ext uri="{BB962C8B-B14F-4D97-AF65-F5344CB8AC3E}">
+        <p14:creationId xmlns:p14="http://schemas.microsoft.com/office/powerpoint/2010/main" val="520947837"/>
+      </p:ext>
+    </p:extLst>
+  </p:cSld>
+  <p:clrMapOvr>
+    <a:masterClrMapping/>
+  </p:clrMapOvr>
+</p:sld>
+</file>
+
+<file path=ppt/slides/slide5.xml><?xml version="1.0" encoding="utf-8"?>
+<p:sld xmlns:a="http://schemas.openxmlformats.org/drawingml/2006/main" xmlns:r="http://schemas.openxmlformats.org/officeDocument/2006/relationships" xmlns:p="http://schemas.openxmlformats.org/presentationml/2006/main">
+  <p:cSld>
+    <p:spTree>
+      <p:nvGrpSpPr>
+        <p:cNvPr id="1" name="Shape 63"/>
+        <p:cNvGrpSpPr/>
+        <p:nvPr/>
+      </p:nvGrpSpPr>
+      <p:grpSpPr>
+        <a:xfrm>
+          <a:off x="0" y="0"/>
+          <a:ext cx="0" cy="0"/>
+          <a:chOff x="0" y="0"/>
+          <a:chExt cx="0" cy="0"/>
+        </a:xfrm>
+      </p:grpSpPr>
+      <p:sp>
+        <p:nvSpPr>
+          <p:cNvPr id="64" name="Google Shape;64;p14"/>
+          <p:cNvSpPr txBox="1">
+            <a:spLocks noGrp="1"/>
+          </p:cNvSpPr>
+          <p:nvPr>
+            <p:ph type="title"/>
+          </p:nvPr>
+        </p:nvSpPr>
+        <p:spPr>
+          <a:xfrm>
+            <a:off x="311700" y="445025"/>
+            <a:ext cx="8520600" cy="572700"/>
+          </a:xfrm>
+          <a:prstGeom prst="rect">
+            <a:avLst/>
+          </a:prstGeom>
+        </p:spPr>
+        <p:txBody>
+          <a:bodyPr spcFirstLastPara="1" wrap="square" lIns="91425" tIns="91425" rIns="91425" bIns="91425" anchor="t" anchorCtr="0">
+            <a:normAutofit fontScale="90000"/>
+          </a:bodyPr>
+          <a:lstStyle/>
+          <a:p>
+            <a:pPr marL="0" lvl="0" indent="0" algn="l" rtl="0">
+              <a:spcBef>
+                <a:spcPts val="0"/>
+              </a:spcBef>
+              <a:spcAft>
+                <a:spcPts val="0"/>
+              </a:spcAft>
+              <a:buNone/>
+            </a:pPr>
+            <a:r>
+              <a:rPr lang="en" dirty="0"/>
               <a:t>Changes to original proposal</a:t>
             </a:r>
             <a:endParaRPr dirty="0"/>
@@ -8097,7 +8241,7 @@
 </p:sld>
 </file>
 
-<file path=ppt/slides/slide5.xml><?xml version="1.0" encoding="utf-8"?>
+<file path=ppt/slides/slide6.xml><?xml version="1.0" encoding="utf-8"?>
 <p:sld xmlns:a="http://schemas.openxmlformats.org/drawingml/2006/main" xmlns:r="http://schemas.openxmlformats.org/officeDocument/2006/relationships" xmlns:p="http://schemas.openxmlformats.org/presentationml/2006/main">
   <p:cSld>
     <p:spTree>
@@ -8155,7 +8299,7 @@
 </p:sld>
 </file>
 
-<file path=ppt/slides/slide6.xml><?xml version="1.0" encoding="utf-8"?>
+<file path=ppt/slides/slide7.xml><?xml version="1.0" encoding="utf-8"?>
 <p:sld xmlns:a="http://schemas.openxmlformats.org/drawingml/2006/main" xmlns:r="http://schemas.openxmlformats.org/officeDocument/2006/relationships" xmlns:p="http://schemas.openxmlformats.org/presentationml/2006/main">
   <p:cSld>
     <p:spTree>
@@ -8348,7 +8492,7 @@
 </p:sld>
 </file>
 
-<file path=ppt/slides/slide7.xml><?xml version="1.0" encoding="utf-8"?>
+<file path=ppt/slides/slide8.xml><?xml version="1.0" encoding="utf-8"?>
 <p:sld xmlns:a="http://schemas.openxmlformats.org/drawingml/2006/main" xmlns:r="http://schemas.openxmlformats.org/officeDocument/2006/relationships" xmlns:p="http://schemas.openxmlformats.org/presentationml/2006/main">
   <p:cSld>
     <p:spTree>
